--- a/introduction/[format]leveldb_study_ppt.pptx
+++ b/introduction/[format]leveldb_study_ppt.pptx
@@ -149,9 +149,98 @@
 <file path=ppt/revisionInfo.xml><?xml version="1.0" encoding="utf-8"?>
 <p1510:revInfo xmlns:a="http://schemas.openxmlformats.org/drawingml/2006/main" xmlns:r="http://schemas.openxmlformats.org/officeDocument/2006/relationships" xmlns:p1510="http://schemas.microsoft.com/office/powerpoint/2015/10/main">
   <p1510:revLst>
-    <p1510:client id="{10E00716-A740-4F4B-83A7-40B83B3870E9}" v="39" dt="2022-07-01T11:05:17.935"/>
+    <p1510:client id="{63684359-8B73-4820-91A9-8323C1E6BC57}" v="10" dt="2022-07-16T07:48:48.401"/>
   </p1510:revLst>
 </p1510:revInfo>
+</file>
+
+<file path=ppt/changesInfos/changesInfo1.xml><?xml version="1.0" encoding="utf-8"?>
+<pc:chgInfo xmlns:a="http://schemas.openxmlformats.org/drawingml/2006/main" xmlns:r="http://schemas.openxmlformats.org/officeDocument/2006/relationships" xmlns:ac="http://schemas.microsoft.com/office/drawing/2013/main/command" xmlns:pc="http://schemas.microsoft.com/office/powerpoint/2013/main/command">
+  <pc:docChgLst>
+    <pc:chgData name="최민국" userId="f1b366de-e4fa-42c5-9c38-6bf1a19cd35b" providerId="ADAL" clId="{63684359-8B73-4820-91A9-8323C1E6BC57}"/>
+    <pc:docChg chg="modMainMaster">
+      <pc:chgData name="최민국" userId="f1b366de-e4fa-42c5-9c38-6bf1a19cd35b" providerId="ADAL" clId="{63684359-8B73-4820-91A9-8323C1E6BC57}" dt="2022-07-16T07:48:04.375" v="7" actId="2711"/>
+      <pc:docMkLst>
+        <pc:docMk/>
+      </pc:docMkLst>
+      <pc:sldMasterChg chg="modSp modSldLayout">
+        <pc:chgData name="최민국" userId="f1b366de-e4fa-42c5-9c38-6bf1a19cd35b" providerId="ADAL" clId="{63684359-8B73-4820-91A9-8323C1E6BC57}" dt="2022-07-16T07:48:04.375" v="7" actId="2711"/>
+        <pc:sldMasterMkLst>
+          <pc:docMk/>
+          <pc:sldMasterMk cId="1937267478" sldId="2147483648"/>
+        </pc:sldMasterMkLst>
+        <pc:spChg chg="mod">
+          <ac:chgData name="최민국" userId="f1b366de-e4fa-42c5-9c38-6bf1a19cd35b" providerId="ADAL" clId="{63684359-8B73-4820-91A9-8323C1E6BC57}" dt="2022-07-16T07:48:04.375" v="7" actId="2711"/>
+          <ac:spMkLst>
+            <pc:docMk/>
+            <pc:sldMasterMk cId="1937267478" sldId="2147483648"/>
+            <ac:spMk id="2" creationId="{E3FAB072-4FBE-564A-8853-71D540F70288}"/>
+          </ac:spMkLst>
+        </pc:spChg>
+        <pc:spChg chg="mod">
+          <ac:chgData name="최민국" userId="f1b366de-e4fa-42c5-9c38-6bf1a19cd35b" providerId="ADAL" clId="{63684359-8B73-4820-91A9-8323C1E6BC57}" dt="2022-07-16T07:48:00.504" v="6" actId="2711"/>
+          <ac:spMkLst>
+            <pc:docMk/>
+            <pc:sldMasterMk cId="1937267478" sldId="2147483648"/>
+            <ac:spMk id="3" creationId="{A66E07ED-FD7C-354D-96D8-4A969F641D1D}"/>
+          </ac:spMkLst>
+        </pc:spChg>
+        <pc:sldLayoutChg chg="modSp">
+          <pc:chgData name="최민국" userId="f1b366de-e4fa-42c5-9c38-6bf1a19cd35b" providerId="ADAL" clId="{63684359-8B73-4820-91A9-8323C1E6BC57}" dt="2022-07-16T07:47:47.106" v="4" actId="2711"/>
+          <pc:sldLayoutMkLst>
+            <pc:docMk/>
+            <pc:sldMasterMk cId="1937267478" sldId="2147483648"/>
+            <pc:sldLayoutMk cId="520051785" sldId="2147483654"/>
+          </pc:sldLayoutMkLst>
+          <pc:spChg chg="mod">
+            <ac:chgData name="최민국" userId="f1b366de-e4fa-42c5-9c38-6bf1a19cd35b" providerId="ADAL" clId="{63684359-8B73-4820-91A9-8323C1E6BC57}" dt="2022-07-16T07:47:47.106" v="4" actId="2711"/>
+            <ac:spMkLst>
+              <pc:docMk/>
+              <pc:sldMasterMk cId="1937267478" sldId="2147483648"/>
+              <pc:sldLayoutMk cId="520051785" sldId="2147483654"/>
+              <ac:spMk id="2" creationId="{452D0A98-9713-1546-85B2-980BBD97C03E}"/>
+            </ac:spMkLst>
+          </pc:spChg>
+          <pc:spChg chg="mod">
+            <ac:chgData name="최민국" userId="f1b366de-e4fa-42c5-9c38-6bf1a19cd35b" providerId="ADAL" clId="{63684359-8B73-4820-91A9-8323C1E6BC57}" dt="2022-07-16T07:47:42.580" v="3" actId="2711"/>
+            <ac:spMkLst>
+              <pc:docMk/>
+              <pc:sldMasterMk cId="1937267478" sldId="2147483648"/>
+              <pc:sldLayoutMk cId="520051785" sldId="2147483654"/>
+              <ac:spMk id="10" creationId="{0DA7A330-B061-A746-BC91-4E9EA3E4FCC3}"/>
+            </ac:spMkLst>
+          </pc:spChg>
+        </pc:sldLayoutChg>
+        <pc:sldLayoutChg chg="modSp mod">
+          <pc:chgData name="최민국" userId="f1b366de-e4fa-42c5-9c38-6bf1a19cd35b" providerId="ADAL" clId="{63684359-8B73-4820-91A9-8323C1E6BC57}" dt="2022-07-16T07:47:38.691" v="2" actId="2711"/>
+          <pc:sldLayoutMkLst>
+            <pc:docMk/>
+            <pc:sldMasterMk cId="1937267478" sldId="2147483648"/>
+            <pc:sldLayoutMk cId="3855642269" sldId="2147483661"/>
+          </pc:sldLayoutMkLst>
+          <pc:spChg chg="mod">
+            <ac:chgData name="최민국" userId="f1b366de-e4fa-42c5-9c38-6bf1a19cd35b" providerId="ADAL" clId="{63684359-8B73-4820-91A9-8323C1E6BC57}" dt="2022-07-16T07:47:26.524" v="1" actId="2711"/>
+            <ac:spMkLst>
+              <pc:docMk/>
+              <pc:sldMasterMk cId="1937267478" sldId="2147483648"/>
+              <pc:sldLayoutMk cId="3855642269" sldId="2147483661"/>
+              <ac:spMk id="2" creationId="{BEC6B600-8E5E-F030-CF0C-8843F36D14AC}"/>
+            </ac:spMkLst>
+          </pc:spChg>
+          <pc:spChg chg="mod">
+            <ac:chgData name="최민국" userId="f1b366de-e4fa-42c5-9c38-6bf1a19cd35b" providerId="ADAL" clId="{63684359-8B73-4820-91A9-8323C1E6BC57}" dt="2022-07-16T07:47:38.691" v="2" actId="2711"/>
+            <ac:spMkLst>
+              <pc:docMk/>
+              <pc:sldMasterMk cId="1937267478" sldId="2147483648"/>
+              <pc:sldLayoutMk cId="3855642269" sldId="2147483661"/>
+              <ac:spMk id="12" creationId="{7D03928D-9E39-5450-EE19-445A22A1BADA}"/>
+            </ac:spMkLst>
+          </pc:spChg>
+        </pc:sldLayoutChg>
+      </pc:sldMasterChg>
+    </pc:docChg>
+  </pc:docChgLst>
+</pc:chgInfo>
 </file>
 
 <file path=ppt/handoutMasters/handoutMaster1.xml><?xml version="1.0" encoding="utf-8"?>
@@ -248,7 +337,7 @@
           <a:p>
             <a:fld id="{7E1D02ED-AB60-1146-B810-37D04719C00C}" type="datetimeFigureOut">
               <a:rPr kumimoji="1" lang="ko-KR" altLang="en-US" smtClean="0"/>
-              <a:t>2022. 7. 1.</a:t>
+              <a:t>2022-07-16</a:t>
             </a:fld>
             <a:endParaRPr kumimoji="1" lang="ko-KR" altLang="en-US"/>
           </a:p>
@@ -425,7 +514,7 @@
           <a:p>
             <a:fld id="{68BBFCC2-75FE-9347-A155-69776C04C6EA}" type="datetimeFigureOut">
               <a:rPr kumimoji="1" lang="ko-KR" altLang="en-US" smtClean="0"/>
-              <a:t>2022. 7. 1.</a:t>
+              <a:t>2022-07-16</a:t>
             </a:fld>
             <a:endParaRPr kumimoji="1" lang="ko-KR" altLang="en-US"/>
           </a:p>
@@ -944,14 +1033,14 @@
                 <a:solidFill>
                   <a:srgbClr val="0B2D86"/>
                 </a:solidFill>
-                <a:latin typeface="arial" panose="020B0604020202020204" pitchFamily="34" charset="0"/>
-                <a:cs typeface="arial" panose="020B0604020202020204" pitchFamily="34" charset="0"/>
+                <a:latin typeface="Arial" panose="020B0604020202020204" pitchFamily="34" charset="0"/>
+                <a:cs typeface="Arial" panose="020B0604020202020204" pitchFamily="34" charset="0"/>
               </a:defRPr>
             </a:lvl1pPr>
           </a:lstStyle>
           <a:p>
             <a:r>
-              <a:rPr kumimoji="1" lang="ko-KR" altLang="en-US"/>
+              <a:rPr kumimoji="1" lang="ko-KR" altLang="en-US" dirty="0"/>
               <a:t>마스터 제목 스타일 편집</a:t>
             </a:r>
           </a:p>
@@ -1078,8 +1167,8 @@
               <a:buFont typeface="Wingdings" panose="05000000000000000000" pitchFamily="2" charset="2"/>
               <a:buChar char="§"/>
               <a:defRPr sz="2800">
-                <a:latin typeface="arial" panose="020B0604020202020204" pitchFamily="34" charset="0"/>
-                <a:cs typeface="arial" panose="020B0604020202020204" pitchFamily="34" charset="0"/>
+                <a:latin typeface="Arial" panose="020B0604020202020204" pitchFamily="34" charset="0"/>
+                <a:cs typeface="Arial" panose="020B0604020202020204" pitchFamily="34" charset="0"/>
               </a:defRPr>
             </a:lvl1pPr>
             <a:lvl2pPr marL="800100" indent="-342900">
@@ -1092,8 +1181,8 @@
               <a:buFont typeface="Arial" panose="020B0604020202020204" pitchFamily="34" charset="0"/>
               <a:buChar char="•"/>
               <a:defRPr sz="2400">
-                <a:latin typeface="arial" panose="020B0604020202020204" pitchFamily="34" charset="0"/>
-                <a:cs typeface="arial" panose="020B0604020202020204" pitchFamily="34" charset="0"/>
+                <a:latin typeface="Arial" panose="020B0604020202020204" pitchFamily="34" charset="0"/>
+                <a:cs typeface="Arial" panose="020B0604020202020204" pitchFamily="34" charset="0"/>
               </a:defRPr>
             </a:lvl2pPr>
             <a:lvl3pPr marL="1257300" indent="-342900">
@@ -1106,8 +1195,8 @@
               <a:buFont typeface="시스템 서체 일반체"/>
               <a:buChar char="-"/>
               <a:defRPr>
-                <a:latin typeface="arial" panose="020B0604020202020204" pitchFamily="34" charset="0"/>
-                <a:cs typeface="arial" panose="020B0604020202020204" pitchFamily="34" charset="0"/>
+                <a:latin typeface="Arial" panose="020B0604020202020204" pitchFamily="34" charset="0"/>
+                <a:cs typeface="Arial" panose="020B0604020202020204" pitchFamily="34" charset="0"/>
               </a:defRPr>
             </a:lvl3pPr>
             <a:lvl4pPr marL="1657350" indent="-285750">
@@ -1120,8 +1209,8 @@
               <a:buFont typeface="Wingdings" pitchFamily="2" charset="2"/>
               <a:buChar char="Ø"/>
               <a:defRPr>
-                <a:latin typeface="arial" panose="020B0604020202020204" pitchFamily="34" charset="0"/>
-                <a:cs typeface="arial" panose="020B0604020202020204" pitchFamily="34" charset="0"/>
+                <a:latin typeface="Arial" panose="020B0604020202020204" pitchFamily="34" charset="0"/>
+                <a:cs typeface="Arial" panose="020B0604020202020204" pitchFamily="34" charset="0"/>
               </a:defRPr>
             </a:lvl4pPr>
             <a:lvl5pPr marL="2114550" indent="-285750">
@@ -1134,8 +1223,8 @@
               <a:buFont typeface="Wingdings" pitchFamily="2" charset="2"/>
               <a:buChar char="ü"/>
               <a:defRPr sz="1600">
-                <a:latin typeface="arial" panose="020B0604020202020204" pitchFamily="34" charset="0"/>
-                <a:cs typeface="arial" panose="020B0604020202020204" pitchFamily="34" charset="0"/>
+                <a:latin typeface="Arial" panose="020B0604020202020204" pitchFamily="34" charset="0"/>
+                <a:cs typeface="Arial" panose="020B0604020202020204" pitchFamily="34" charset="0"/>
               </a:defRPr>
             </a:lvl5pPr>
           </a:lstStyle>
@@ -1361,7 +1450,7 @@
           </a:xfrm>
         </p:spPr>
         <p:txBody>
-          <a:bodyPr>
+          <a:bodyPr anchor="t">
             <a:normAutofit/>
           </a:bodyPr>
           <a:lstStyle>
@@ -1377,7 +1466,7 @@
           </a:lstStyle>
           <a:p>
             <a:r>
-              <a:rPr lang="ko-KR" altLang="en-US"/>
+              <a:rPr lang="ko-KR" altLang="en-US" dirty="0"/>
               <a:t>마스터 제목 스타일 편집</a:t>
             </a:r>
           </a:p>
@@ -1467,8 +1556,8 @@
               <a:buFont typeface="Wingdings" panose="05000000000000000000" pitchFamily="2" charset="2"/>
               <a:buChar char="§"/>
               <a:defRPr>
-                <a:latin typeface="arial" panose="020B0604020202020204" pitchFamily="34" charset="0"/>
-                <a:cs typeface="arial" panose="020B0604020202020204" pitchFamily="34" charset="0"/>
+                <a:latin typeface="Arial" panose="020B0604020202020204" pitchFamily="34" charset="0"/>
+                <a:cs typeface="Arial" panose="020B0604020202020204" pitchFamily="34" charset="0"/>
               </a:defRPr>
             </a:lvl1pPr>
             <a:lvl2pPr marL="800100" indent="-342900">
@@ -1478,8 +1567,8 @@
               <a:buFont typeface="Arial" panose="020B0604020202020204" pitchFamily="34" charset="0"/>
               <a:buChar char="•"/>
               <a:defRPr>
-                <a:latin typeface="arial" panose="020B0604020202020204" pitchFamily="34" charset="0"/>
-                <a:cs typeface="arial" panose="020B0604020202020204" pitchFamily="34" charset="0"/>
+                <a:latin typeface="Arial" panose="020B0604020202020204" pitchFamily="34" charset="0"/>
+                <a:cs typeface="Arial" panose="020B0604020202020204" pitchFamily="34" charset="0"/>
               </a:defRPr>
             </a:lvl2pPr>
             <a:lvl3pPr marL="1257300" indent="-342900">
@@ -1489,8 +1578,8 @@
               <a:buFont typeface="시스템 서체 일반체"/>
               <a:buChar char="-"/>
               <a:defRPr>
-                <a:latin typeface="arial" panose="020B0604020202020204" pitchFamily="34" charset="0"/>
-                <a:cs typeface="arial" panose="020B0604020202020204" pitchFamily="34" charset="0"/>
+                <a:latin typeface="Arial" panose="020B0604020202020204" pitchFamily="34" charset="0"/>
+                <a:cs typeface="Arial" panose="020B0604020202020204" pitchFamily="34" charset="0"/>
               </a:defRPr>
             </a:lvl3pPr>
             <a:lvl4pPr marL="1657350" indent="-285750">
@@ -1500,8 +1589,8 @@
               <a:buFont typeface="Wingdings" pitchFamily="2" charset="2"/>
               <a:buChar char="Ø"/>
               <a:defRPr>
-                <a:latin typeface="arial" panose="020B0604020202020204" pitchFamily="34" charset="0"/>
-                <a:cs typeface="arial" panose="020B0604020202020204" pitchFamily="34" charset="0"/>
+                <a:latin typeface="Arial" panose="020B0604020202020204" pitchFamily="34" charset="0"/>
+                <a:cs typeface="Arial" panose="020B0604020202020204" pitchFamily="34" charset="0"/>
               </a:defRPr>
             </a:lvl4pPr>
             <a:lvl5pPr marL="2114550" indent="-285750">
@@ -1511,8 +1600,8 @@
               <a:buFont typeface="Wingdings" pitchFamily="2" charset="2"/>
               <a:buChar char="ü"/>
               <a:defRPr sz="1600">
-                <a:latin typeface="arial" panose="020B0604020202020204" pitchFamily="34" charset="0"/>
-                <a:cs typeface="arial" panose="020B0604020202020204" pitchFamily="34" charset="0"/>
+                <a:latin typeface="Arial" panose="020B0604020202020204" pitchFamily="34" charset="0"/>
+                <a:cs typeface="Arial" panose="020B0604020202020204" pitchFamily="34" charset="0"/>
               </a:defRPr>
             </a:lvl5pPr>
           </a:lstStyle>
@@ -1620,7 +1709,7 @@
           <a:lstStyle/>
           <a:p>
             <a:r>
-              <a:rPr kumimoji="1" lang="ko-KR" altLang="en-US"/>
+              <a:rPr kumimoji="1" lang="ko-KR" altLang="en-US" dirty="0"/>
               <a:t>마스터 제목 스타일 편집</a:t>
             </a:r>
           </a:p>
@@ -1925,9 +2014,9 @@
           <a:solidFill>
             <a:schemeClr val="tx1"/>
           </a:solidFill>
-          <a:latin typeface="+mj-lt"/>
+          <a:latin typeface="Arial" panose="020B0604020202020204" pitchFamily="34" charset="0"/>
           <a:ea typeface="+mj-ea"/>
-          <a:cs typeface="+mj-cs"/>
+          <a:cs typeface="Arial" panose="020B0604020202020204" pitchFamily="34" charset="0"/>
         </a:defRPr>
       </a:lvl1pPr>
     </p:titleStyle>
@@ -1945,9 +2034,9 @@
           <a:solidFill>
             <a:schemeClr val="tx1"/>
           </a:solidFill>
-          <a:latin typeface="+mn-lt"/>
+          <a:latin typeface="Arial" panose="020B0604020202020204" pitchFamily="34" charset="0"/>
           <a:ea typeface="+mn-ea"/>
-          <a:cs typeface="+mn-cs"/>
+          <a:cs typeface="Arial" panose="020B0604020202020204" pitchFamily="34" charset="0"/>
         </a:defRPr>
       </a:lvl1pPr>
       <a:lvl2pPr marL="685800" indent="-228600" algn="l" defTabSz="914400" rtl="0" eaLnBrk="1" latinLnBrk="1" hangingPunct="1">
@@ -1963,9 +2052,9 @@
           <a:solidFill>
             <a:schemeClr val="tx1"/>
           </a:solidFill>
-          <a:latin typeface="+mn-lt"/>
+          <a:latin typeface="Arial" panose="020B0604020202020204" pitchFamily="34" charset="0"/>
           <a:ea typeface="+mn-ea"/>
-          <a:cs typeface="+mn-cs"/>
+          <a:cs typeface="Arial" panose="020B0604020202020204" pitchFamily="34" charset="0"/>
         </a:defRPr>
       </a:lvl2pPr>
       <a:lvl3pPr marL="1143000" indent="-228600" algn="l" defTabSz="914400" rtl="0" eaLnBrk="1" latinLnBrk="1" hangingPunct="1">
@@ -1981,9 +2070,9 @@
           <a:solidFill>
             <a:schemeClr val="tx1"/>
           </a:solidFill>
-          <a:latin typeface="+mn-lt"/>
+          <a:latin typeface="Arial" panose="020B0604020202020204" pitchFamily="34" charset="0"/>
           <a:ea typeface="+mn-ea"/>
-          <a:cs typeface="+mn-cs"/>
+          <a:cs typeface="Arial" panose="020B0604020202020204" pitchFamily="34" charset="0"/>
         </a:defRPr>
       </a:lvl3pPr>
       <a:lvl4pPr marL="1600200" indent="-228600" algn="l" defTabSz="914400" rtl="0" eaLnBrk="1" latinLnBrk="1" hangingPunct="1">
@@ -1999,9 +2088,9 @@
           <a:solidFill>
             <a:schemeClr val="tx1"/>
           </a:solidFill>
-          <a:latin typeface="+mn-lt"/>
+          <a:latin typeface="Arial" panose="020B0604020202020204" pitchFamily="34" charset="0"/>
           <a:ea typeface="+mn-ea"/>
-          <a:cs typeface="+mn-cs"/>
+          <a:cs typeface="Arial" panose="020B0604020202020204" pitchFamily="34" charset="0"/>
         </a:defRPr>
       </a:lvl4pPr>
       <a:lvl5pPr marL="2057400" indent="-228600" algn="l" defTabSz="914400" rtl="0" eaLnBrk="1" latinLnBrk="1" hangingPunct="1">
@@ -2017,9 +2106,9 @@
           <a:solidFill>
             <a:schemeClr val="tx1"/>
           </a:solidFill>
-          <a:latin typeface="+mn-lt"/>
+          <a:latin typeface="Arial" panose="020B0604020202020204" pitchFamily="34" charset="0"/>
           <a:ea typeface="+mn-ea"/>
-          <a:cs typeface="+mn-cs"/>
+          <a:cs typeface="Arial" panose="020B0604020202020204" pitchFamily="34" charset="0"/>
         </a:defRPr>
       </a:lvl5pPr>
       <a:lvl6pPr marL="2514600" indent="-228600" algn="l" defTabSz="914400" rtl="0" eaLnBrk="1" latinLnBrk="1" hangingPunct="1">
@@ -2360,7 +2449,7 @@
           <a:bodyPr/>
           <a:lstStyle/>
           <a:p>
-            <a:endParaRPr kumimoji="1" lang="ko-KR" altLang="en-US"/>
+            <a:endParaRPr kumimoji="1" lang="ko-KR" altLang="en-US" dirty="0"/>
           </a:p>
         </p:txBody>
       </p:sp>
@@ -2553,110 +2642,16 @@
         <a:srgbClr val="954F72"/>
       </a:folHlink>
     </a:clrScheme>
-    <a:fontScheme name="Office">
+    <a:fontScheme name="사용자 지정 2">
       <a:majorFont>
-        <a:latin typeface="맑은 고딕" panose="020F0302020204030204"/>
-        <a:ea typeface=""/>
+        <a:latin typeface="Arial"/>
+        <a:ea typeface="Arial"/>
         <a:cs typeface=""/>
-        <a:font script="Jpan" typeface="游ゴシック Light"/>
-        <a:font script="Hang" typeface="맑은 고딕"/>
-        <a:font script="Hans" typeface="等线 Light"/>
-        <a:font script="Hant" typeface="新細明體"/>
-        <a:font script="Arab" typeface="Times New Roman"/>
-        <a:font script="Hebr" typeface="Times New Roman"/>
-        <a:font script="Thai" typeface="Angsana New"/>
-        <a:font script="Ethi" typeface="Nyala"/>
-        <a:font script="Beng" typeface="Vrinda"/>
-        <a:font script="Gujr" typeface="Shruti"/>
-        <a:font script="Khmr" typeface="MoolBoran"/>
-        <a:font script="Knda" typeface="Tunga"/>
-        <a:font script="Guru" typeface="Raavi"/>
-        <a:font script="Cans" typeface="Euphemia"/>
-        <a:font script="Cher" typeface="Plantagenet Cherokee"/>
-        <a:font script="Yiii" typeface="Microsoft Yi Baiti"/>
-        <a:font script="Tibt" typeface="Microsoft Himalaya"/>
-        <a:font script="Thaa" typeface="MV Boli"/>
-        <a:font script="Deva" typeface="Mangal"/>
-        <a:font script="Telu" typeface="Gautami"/>
-        <a:font script="Taml" typeface="Latha"/>
-        <a:font script="Syrc" typeface="Estrangelo Edessa"/>
-        <a:font script="Orya" typeface="Kalinga"/>
-        <a:font script="Mlym" typeface="Kartika"/>
-        <a:font script="Laoo" typeface="DokChampa"/>
-        <a:font script="Sinh" typeface="Iskoola Pota"/>
-        <a:font script="Mong" typeface="Mongolian Baiti"/>
-        <a:font script="Viet" typeface="Times New Roman"/>
-        <a:font script="Uigh" typeface="Microsoft Uighur"/>
-        <a:font script="Geor" typeface="Sylfaen"/>
-        <a:font script="Armn" typeface="Arial"/>
-        <a:font script="Bugi" typeface="Leelawadee UI"/>
-        <a:font script="Bopo" typeface="Microsoft JhengHei"/>
-        <a:font script="Java" typeface="Javanese Text"/>
-        <a:font script="Lisu" typeface="Segoe UI"/>
-        <a:font script="Mymr" typeface="Myanmar Text"/>
-        <a:font script="Nkoo" typeface="Ebrima"/>
-        <a:font script="Olck" typeface="Nirmala UI"/>
-        <a:font script="Osma" typeface="Ebrima"/>
-        <a:font script="Phag" typeface="Phagspa"/>
-        <a:font script="Syrn" typeface="Estrangelo Edessa"/>
-        <a:font script="Syrj" typeface="Estrangelo Edessa"/>
-        <a:font script="Syre" typeface="Estrangelo Edessa"/>
-        <a:font script="Sora" typeface="Nirmala UI"/>
-        <a:font script="Tale" typeface="Microsoft Tai Le"/>
-        <a:font script="Talu" typeface="Microsoft New Tai Lue"/>
-        <a:font script="Tfng" typeface="Ebrima"/>
       </a:majorFont>
       <a:minorFont>
-        <a:latin typeface="맑은 고딕" panose="020F0502020204030204"/>
-        <a:ea typeface=""/>
+        <a:latin typeface="Arial"/>
+        <a:ea typeface="Arial"/>
         <a:cs typeface=""/>
-        <a:font script="Jpan" typeface="游ゴシック"/>
-        <a:font script="Hang" typeface="맑은 고딕"/>
-        <a:font script="Hans" typeface="等线"/>
-        <a:font script="Hant" typeface="新細明體"/>
-        <a:font script="Arab" typeface="Arial"/>
-        <a:font script="Hebr" typeface="Arial"/>
-        <a:font script="Thai" typeface="Cordia New"/>
-        <a:font script="Ethi" typeface="Nyala"/>
-        <a:font script="Beng" typeface="Vrinda"/>
-        <a:font script="Gujr" typeface="Shruti"/>
-        <a:font script="Khmr" typeface="DaunPenh"/>
-        <a:font script="Knda" typeface="Tunga"/>
-        <a:font script="Guru" typeface="Raavi"/>
-        <a:font script="Cans" typeface="Euphemia"/>
-        <a:font script="Cher" typeface="Plantagenet Cherokee"/>
-        <a:font script="Yiii" typeface="Microsoft Yi Baiti"/>
-        <a:font script="Tibt" typeface="Microsoft Himalaya"/>
-        <a:font script="Thaa" typeface="MV Boli"/>
-        <a:font script="Deva" typeface="Mangal"/>
-        <a:font script="Telu" typeface="Gautami"/>
-        <a:font script="Taml" typeface="Latha"/>
-        <a:font script="Syrc" typeface="Estrangelo Edessa"/>
-        <a:font script="Orya" typeface="Kalinga"/>
-        <a:font script="Mlym" typeface="Kartika"/>
-        <a:font script="Laoo" typeface="DokChampa"/>
-        <a:font script="Sinh" typeface="Iskoola Pota"/>
-        <a:font script="Mong" typeface="Mongolian Baiti"/>
-        <a:font script="Viet" typeface="Arial"/>
-        <a:font script="Uigh" typeface="Microsoft Uighur"/>
-        <a:font script="Geor" typeface="Sylfaen"/>
-        <a:font script="Armn" typeface="Arial"/>
-        <a:font script="Bugi" typeface="Leelawadee UI"/>
-        <a:font script="Bopo" typeface="Microsoft JhengHei"/>
-        <a:font script="Java" typeface="Javanese Text"/>
-        <a:font script="Lisu" typeface="Segoe UI"/>
-        <a:font script="Mymr" typeface="Myanmar Text"/>
-        <a:font script="Nkoo" typeface="Ebrima"/>
-        <a:font script="Olck" typeface="Nirmala UI"/>
-        <a:font script="Osma" typeface="Ebrima"/>
-        <a:font script="Phag" typeface="Phagspa"/>
-        <a:font script="Syrn" typeface="Estrangelo Edessa"/>
-        <a:font script="Syrj" typeface="Estrangelo Edessa"/>
-        <a:font script="Syre" typeface="Estrangelo Edessa"/>
-        <a:font script="Sora" typeface="Nirmala UI"/>
-        <a:font script="Tale" typeface="Microsoft Tai Le"/>
-        <a:font script="Talu" typeface="Microsoft New Tai Lue"/>
-        <a:font script="Tfng" typeface="Ebrima"/>
       </a:minorFont>
     </a:fontScheme>
     <a:fmtScheme name="Office">
